--- a/working_files/SideWalkRemixCapstone.pptx
+++ b/working_files/SideWalkRemixCapstone.pptx
@@ -5,7 +5,7 @@
     <p:sldMasterId id="2147483648" r:id="rId1"/>
   </p:sldMasterIdLst>
   <p:notesMasterIdLst>
-    <p:notesMasterId r:id="rId9"/>
+    <p:notesMasterId r:id="rId10"/>
   </p:notesMasterIdLst>
   <p:sldIdLst>
     <p:sldId id="256" r:id="rId2"/>
@@ -15,6 +15,7 @@
     <p:sldId id="260" r:id="rId6"/>
     <p:sldId id="261" r:id="rId7"/>
     <p:sldId id="262" r:id="rId8"/>
+    <p:sldId id="263" r:id="rId9"/>
   </p:sldIdLst>
   <p:sldSz cx="12192000" cy="6858000"/>
   <p:notesSz cx="6858000" cy="9144000"/>
@@ -3952,13 +3953,14 @@
         <p:spPr/>
         <p:txBody>
           <a:bodyPr>
-            <a:normAutofit fontScale="32500" lnSpcReduction="20000"/>
+            <a:normAutofit/>
           </a:bodyPr>
           <a:lstStyle/>
           <a:p>
-            <a:r>
-              <a:rPr lang="en-US" dirty="0" smtClean="0"/>
-              <a:t>After correspondence with </a:t>
+            <a:pPr lvl="2"/>
+            <a:r>
+              <a:rPr lang="en-US" dirty="0" smtClean="0"/>
+              <a:t>The goal has evolved:  We will utilize </a:t>
             </a:r>
             <a:r>
               <a:rPr lang="en-US" dirty="0" err="1" smtClean="0"/>
@@ -3966,107 +3968,14 @@
             </a:r>
             <a:r>
               <a:rPr lang="en-US" dirty="0" smtClean="0"/>
-              <a:t>, we have adjusted the scope of our project</a:t>
-            </a:r>
-          </a:p>
-          <a:p>
-            <a:r>
-              <a:rPr lang="en-US" dirty="0" smtClean="0"/>
-              <a:t>We will look to execute machine learning techniques to observe if any noticeable correlations exist with property values, known crime data and the sidewalk data set</a:t>
-            </a:r>
-          </a:p>
-          <a:p>
-            <a:r>
-              <a:rPr lang="en-US" dirty="0" smtClean="0"/>
-              <a:t>PI of project sidewalk is sharing mapping sidewalk infrastructure</a:t>
-            </a:r>
-          </a:p>
-          <a:p>
-            <a:pPr lvl="1"/>
-            <a:r>
-              <a:rPr lang="en-US" dirty="0" smtClean="0"/>
-              <a:t>Housing factor predictive?</a:t>
-            </a:r>
-          </a:p>
-          <a:p>
-            <a:pPr lvl="1"/>
-            <a:r>
-              <a:rPr lang="en-US" dirty="0" smtClean="0"/>
-              <a:t>Crime rate predictive?</a:t>
-            </a:r>
-          </a:p>
-          <a:p>
-            <a:r>
-              <a:rPr lang="en-US" dirty="0" smtClean="0"/>
-              <a:t>In what format is the data?</a:t>
-            </a:r>
-          </a:p>
-          <a:p>
-            <a:r>
-              <a:rPr lang="en-US" dirty="0" smtClean="0"/>
-              <a:t>What is being tracked</a:t>
-            </a:r>
-          </a:p>
-          <a:p>
-            <a:r>
-              <a:rPr lang="en-US" dirty="0" smtClean="0"/>
-              <a:t>DC area for gathering crime data?</a:t>
-            </a:r>
-          </a:p>
-          <a:p>
-            <a:pPr lvl="1"/>
-            <a:r>
-              <a:rPr lang="en-US" dirty="0" smtClean="0"/>
-              <a:t>.</a:t>
-            </a:r>
-            <a:r>
-              <a:rPr lang="en-US" dirty="0" err="1" smtClean="0"/>
-              <a:t>gov</a:t>
-            </a:r>
-            <a:r>
-              <a:rPr lang="en-US" dirty="0" smtClean="0"/>
-              <a:t> website freely available up to date</a:t>
-            </a:r>
-          </a:p>
-          <a:p>
-            <a:pPr lvl="1"/>
-            <a:r>
-              <a:rPr lang="en-US" dirty="0" smtClean="0"/>
-              <a:t>Dallas crime data set?  Updated?</a:t>
-            </a:r>
-          </a:p>
-          <a:p>
-            <a:r>
-              <a:rPr lang="en-US" dirty="0" err="1" smtClean="0"/>
-              <a:t>Querry</a:t>
-            </a:r>
-            <a:r>
-              <a:rPr lang="en-US" dirty="0" smtClean="0"/>
-              <a:t> public API </a:t>
-            </a:r>
-            <a:r>
-              <a:rPr lang="mr-IN" dirty="0" smtClean="0"/>
-              <a:t>–</a:t>
-            </a:r>
-            <a:r>
-              <a:rPr lang="en-US" dirty="0" smtClean="0"/>
-              <a:t> </a:t>
-            </a:r>
-            <a:r>
-              <a:rPr lang="en-US" dirty="0" err="1" smtClean="0"/>
-              <a:t>json</a:t>
-            </a:r>
-            <a:r>
-              <a:rPr lang="en-US" dirty="0" smtClean="0"/>
-              <a:t> serialized file </a:t>
-            </a:r>
-            <a:r>
-              <a:rPr lang="mr-IN" dirty="0" smtClean="0"/>
-              <a:t>–</a:t>
-            </a:r>
-            <a:r>
-              <a:rPr lang="en-US" dirty="0" smtClean="0"/>
-              <a:t> has labels with </a:t>
+              <a:t> data</a:t>
+            </a:r>
+          </a:p>
+          <a:p>
+            <a:pPr lvl="3"/>
+            <a:r>
+              <a:rPr lang="en-US" dirty="0" smtClean="0"/>
+              <a:t>JSON file with tags and </a:t>
             </a:r>
             <a:r>
               <a:rPr lang="en-US" dirty="0" err="1" smtClean="0"/>
@@ -4078,248 +3987,94 @@
             </a:r>
           </a:p>
           <a:p>
-            <a:pPr lvl="1"/>
-            <a:r>
-              <a:rPr lang="en-US" dirty="0" smtClean="0"/>
-              <a:t>Aggregate  :  tiling, clustering for purpose of scoring</a:t>
-            </a:r>
-          </a:p>
-          <a:p>
-            <a:pPr lvl="2"/>
-            <a:r>
-              <a:rPr lang="en-US" dirty="0" smtClean="0"/>
-              <a:t>.25 for sidewalk/curb cuts for region</a:t>
-            </a:r>
-          </a:p>
-          <a:p>
-            <a:pPr lvl="2"/>
-            <a:r>
-              <a:rPr lang="en-US" dirty="0" smtClean="0"/>
-              <a:t>Same size region and score for crime/violent crime/loitering crime</a:t>
-            </a:r>
-          </a:p>
-          <a:p>
-            <a:pPr lvl="2"/>
-            <a:r>
-              <a:rPr lang="en-US" dirty="0" smtClean="0"/>
-              <a:t>Surrounding regions </a:t>
-            </a:r>
-            <a:r>
-              <a:rPr lang="mr-IN" dirty="0" smtClean="0"/>
-              <a:t>–</a:t>
-            </a:r>
-            <a:r>
-              <a:rPr lang="en-US" dirty="0" smtClean="0"/>
-              <a:t> all relationships</a:t>
-            </a:r>
-          </a:p>
-          <a:p>
-            <a:pPr lvl="2"/>
-            <a:r>
-              <a:rPr lang="en-US" dirty="0" smtClean="0"/>
-              <a:t>Regression?</a:t>
-            </a:r>
-          </a:p>
-          <a:p>
-            <a:pPr lvl="2"/>
-            <a:r>
-              <a:rPr lang="en-US" dirty="0" smtClean="0"/>
-              <a:t>All the places </a:t>
+            <a:pPr lvl="3"/>
+            <a:r>
+              <a:rPr lang="en-US" dirty="0" smtClean="0"/>
+              <a:t>Correlations with </a:t>
             </a:r>
             <a:r>
               <a:rPr lang="en-US" dirty="0" err="1" smtClean="0"/>
-              <a:t>chris</a:t>
-            </a:r>
-            <a:r>
-              <a:rPr lang="en-US" dirty="0" smtClean="0"/>
-              <a:t> got pulled over in 2002 in </a:t>
+              <a:t>UoM</a:t>
+            </a:r>
+            <a:r>
+              <a:rPr lang="en-US" dirty="0" smtClean="0"/>
+              <a:t> data with crime data set &amp; housing API</a:t>
+            </a:r>
+          </a:p>
+          <a:p>
+            <a:pPr lvl="3"/>
+            <a:r>
+              <a:rPr lang="en-US" dirty="0" smtClean="0"/>
+              <a:t>Plan to break DC into segments/grid to capture location </a:t>
+            </a:r>
+          </a:p>
+          <a:p>
+            <a:pPr lvl="4"/>
+            <a:r>
+              <a:rPr lang="en-US" dirty="0" smtClean="0"/>
+              <a:t>Will look to find trends with sidewalk information and other data</a:t>
+            </a:r>
+          </a:p>
+          <a:p>
+            <a:pPr lvl="4"/>
+            <a:r>
+              <a:rPr lang="en-US" dirty="0" smtClean="0"/>
+              <a:t>Will provide feedback to </a:t>
             </a:r>
             <a:r>
               <a:rPr lang="en-US" dirty="0" err="1" smtClean="0"/>
-              <a:t>maryland</a:t>
-            </a:r>
-            <a:r>
-              <a:rPr lang="en-US" dirty="0" smtClean="0"/>
-              <a:t> on the way to </a:t>
-            </a:r>
-            <a:r>
-              <a:rPr lang="en-US" dirty="0" err="1" smtClean="0"/>
-              <a:t>regan</a:t>
-            </a:r>
-            <a:r>
-              <a:rPr lang="en-US" dirty="0" smtClean="0"/>
-              <a:t> airport</a:t>
-            </a:r>
-          </a:p>
-          <a:p>
-            <a:pPr lvl="2"/>
-            <a:r>
-              <a:rPr lang="en-US" dirty="0" smtClean="0"/>
-              <a:t>Observations </a:t>
-            </a:r>
-            <a:r>
-              <a:rPr lang="mr-IN" dirty="0" smtClean="0"/>
-              <a:t>–</a:t>
-            </a:r>
-            <a:r>
-              <a:rPr lang="en-US" dirty="0" smtClean="0"/>
-              <a:t> these variables move up/down together </a:t>
-            </a:r>
-            <a:r>
-              <a:rPr lang="mr-IN" dirty="0" smtClean="0"/>
-              <a:t>–</a:t>
-            </a:r>
-            <a:r>
-              <a:rPr lang="en-US" dirty="0" smtClean="0"/>
-              <a:t> these x1, x2, x3, variables show R </a:t>
-            </a:r>
-            <a:r>
-              <a:rPr lang="en-US" dirty="0" err="1" smtClean="0"/>
-              <a:t>measurment</a:t>
-            </a:r>
-            <a:r>
-              <a:rPr lang="en-US" dirty="0" smtClean="0"/>
-              <a:t> of ____</a:t>
-            </a:r>
-          </a:p>
-          <a:p>
-            <a:pPr lvl="2"/>
-            <a:r>
-              <a:rPr lang="en-US" dirty="0" smtClean="0"/>
-              <a:t>Fall </a:t>
-            </a:r>
-            <a:r>
-              <a:rPr lang="en-US" dirty="0" err="1" smtClean="0"/>
-              <a:t>hazzards</a:t>
-            </a:r>
-            <a:r>
-              <a:rPr lang="en-US" dirty="0" smtClean="0"/>
-              <a:t> </a:t>
-            </a:r>
-            <a:r>
-              <a:rPr lang="mr-IN" dirty="0" smtClean="0"/>
-              <a:t>–</a:t>
-            </a:r>
-            <a:r>
-              <a:rPr lang="en-US" dirty="0" smtClean="0"/>
-              <a:t> slopes</a:t>
-            </a:r>
-          </a:p>
-          <a:p>
-            <a:pPr lvl="2"/>
-            <a:r>
-              <a:rPr lang="en-US" dirty="0" smtClean="0"/>
-              <a:t>Depth mapping in google street view</a:t>
-            </a:r>
-          </a:p>
-          <a:p>
-            <a:pPr lvl="2"/>
-            <a:r>
-              <a:rPr lang="en-US" dirty="0" smtClean="0"/>
-              <a:t>http post request </a:t>
-            </a:r>
-            <a:r>
-              <a:rPr lang="mr-IN" dirty="0" smtClean="0"/>
-              <a:t>–</a:t>
-            </a:r>
-            <a:r>
-              <a:rPr lang="en-US" dirty="0" smtClean="0"/>
-              <a:t> curl request --  all the labels in the ”box” </a:t>
-            </a:r>
-            <a:r>
-              <a:rPr lang="mr-IN" dirty="0" smtClean="0"/>
-              <a:t>–</a:t>
-            </a:r>
-            <a:r>
-              <a:rPr lang="en-US" dirty="0" smtClean="0"/>
-              <a:t> an array in a </a:t>
-            </a:r>
-            <a:r>
-              <a:rPr lang="en-US" dirty="0" err="1" smtClean="0"/>
-              <a:t>json</a:t>
-            </a:r>
-            <a:r>
-              <a:rPr lang="en-US" dirty="0" smtClean="0"/>
-              <a:t> file </a:t>
-            </a:r>
-            <a:r>
-              <a:rPr lang="mr-IN" dirty="0" smtClean="0"/>
-              <a:t>–</a:t>
-            </a:r>
-            <a:r>
-              <a:rPr lang="en-US" dirty="0" smtClean="0"/>
-              <a:t> huge plain text file </a:t>
-            </a:r>
-            <a:r>
-              <a:rPr lang="mr-IN" dirty="0" smtClean="0"/>
-              <a:t>–</a:t>
-            </a:r>
-            <a:r>
-              <a:rPr lang="en-US" dirty="0" smtClean="0"/>
-              <a:t> all kinds of </a:t>
-            </a:r>
-            <a:r>
-              <a:rPr lang="en-US" dirty="0" err="1" smtClean="0"/>
-              <a:t>json</a:t>
-            </a:r>
-            <a:r>
-              <a:rPr lang="en-US" dirty="0" smtClean="0"/>
-              <a:t> parses </a:t>
-            </a:r>
-            <a:r>
-              <a:rPr lang="mr-IN" dirty="0" smtClean="0"/>
-              <a:t>–</a:t>
-            </a:r>
-            <a:r>
-              <a:rPr lang="en-US" dirty="0" smtClean="0"/>
-              <a:t> </a:t>
-            </a:r>
-          </a:p>
-          <a:p>
-            <a:pPr lvl="2"/>
-            <a:r>
-              <a:rPr lang="en-US" dirty="0" smtClean="0"/>
-              <a:t>Value add to working with their data set, errors, usability, share ideas on what is useful, “what does a data scientist want/find desirable from the API</a:t>
-            </a:r>
-          </a:p>
-          <a:p>
-            <a:pPr lvl="2"/>
-            <a:r>
-              <a:rPr lang="en-US" dirty="0" smtClean="0"/>
-              <a:t>HOW DO WE WORK WITH THIS API?  WHAT DATA DO WE WANT TO CORRELATE?</a:t>
-            </a:r>
-          </a:p>
-          <a:p>
-            <a:pPr lvl="2"/>
-            <a:r>
-              <a:rPr lang="en-US" dirty="0" smtClean="0"/>
-              <a:t>GANTT chart by the end of the week?</a:t>
-            </a:r>
-          </a:p>
-          <a:p>
-            <a:pPr lvl="2"/>
-            <a:r>
-              <a:rPr lang="en-US" dirty="0" smtClean="0"/>
-              <a:t>Separate channel on SLACK</a:t>
-            </a:r>
-          </a:p>
-          <a:p>
-            <a:pPr lvl="2"/>
-            <a:r>
-              <a:rPr lang="en-US" dirty="0" smtClean="0"/>
-              <a:t>Types of analytics </a:t>
-            </a:r>
-            <a:r>
-              <a:rPr lang="mr-IN" dirty="0" smtClean="0"/>
-              <a:t>–</a:t>
-            </a:r>
-            <a:r>
-              <a:rPr lang="en-US" dirty="0" smtClean="0"/>
-              <a:t> linear regression , KNN, random forests, (can we pick up a relationship)??</a:t>
-            </a:r>
-          </a:p>
-          <a:p>
-            <a:pPr lvl="2"/>
+              <a:t>UoM</a:t>
+            </a:r>
+            <a:r>
+              <a:rPr lang="en-US" dirty="0" smtClean="0"/>
+              <a:t> for the ease of use of their API</a:t>
+            </a:r>
+          </a:p>
+          <a:p>
+            <a:pPr lvl="3"/>
+            <a:r>
+              <a:rPr lang="en-US" dirty="0" smtClean="0"/>
+              <a:t>Initial methods to include predictive:</a:t>
+            </a:r>
+          </a:p>
+          <a:p>
+            <a:pPr lvl="4"/>
+            <a:r>
+              <a:rPr lang="en-US" dirty="0" smtClean="0"/>
+              <a:t>Clustering</a:t>
+            </a:r>
+          </a:p>
+          <a:p>
+            <a:pPr lvl="4"/>
+            <a:r>
+              <a:rPr lang="en-US" dirty="0" smtClean="0"/>
+              <a:t>KNN</a:t>
+            </a:r>
+          </a:p>
+          <a:p>
+            <a:pPr lvl="4"/>
+            <a:r>
+              <a:rPr lang="en-US" dirty="0" smtClean="0"/>
+              <a:t>Random Forrest</a:t>
+            </a:r>
+          </a:p>
+          <a:p>
+            <a:pPr lvl="4"/>
+            <a:r>
+              <a:rPr lang="en-US" dirty="0" smtClean="0"/>
+              <a:t>Logistic Regression</a:t>
+            </a:r>
+          </a:p>
+          <a:p>
+            <a:pPr lvl="3"/>
+            <a:endParaRPr lang="en-US" dirty="0" smtClean="0"/>
+          </a:p>
+          <a:p>
+            <a:pPr lvl="4"/>
+            <a:endParaRPr lang="en-US" dirty="0" smtClean="0"/>
+          </a:p>
+          <a:p>
+            <a:pPr lvl="4"/>
             <a:endParaRPr lang="en-US" dirty="0"/>
           </a:p>
         </p:txBody>
@@ -4341,6 +4096,245 @@
       </p:par>
     </p:tnLst>
   </p:timing>
+</p:sld>
+</file>
+
+<file path=ppt/slides/slide8.xml><?xml version="1.0" encoding="utf-8"?>
+<p:sld xmlns:a="http://schemas.openxmlformats.org/drawingml/2006/main" xmlns:r="http://schemas.openxmlformats.org/officeDocument/2006/relationships" xmlns:p="http://schemas.openxmlformats.org/presentationml/2006/main">
+  <p:cSld>
+    <p:spTree>
+      <p:nvGrpSpPr>
+        <p:cNvPr id="1" name=""/>
+        <p:cNvGrpSpPr/>
+        <p:nvPr/>
+      </p:nvGrpSpPr>
+      <p:grpSpPr>
+        <a:xfrm>
+          <a:off x="0" y="0"/>
+          <a:ext cx="0" cy="0"/>
+          <a:chOff x="0" y="0"/>
+          <a:chExt cx="0" cy="0"/>
+        </a:xfrm>
+      </p:grpSpPr>
+      <p:sp>
+        <p:nvSpPr>
+          <p:cNvPr id="2" name="Title 1"/>
+          <p:cNvSpPr>
+            <a:spLocks noGrp="1"/>
+          </p:cNvSpPr>
+          <p:nvPr>
+            <p:ph type="title"/>
+          </p:nvPr>
+        </p:nvSpPr>
+        <p:spPr/>
+        <p:txBody>
+          <a:bodyPr/>
+          <a:lstStyle/>
+          <a:p>
+            <a:r>
+              <a:rPr lang="en-US" dirty="0" smtClean="0"/>
+              <a:t>Next Steps</a:t>
+            </a:r>
+            <a:endParaRPr lang="en-US" dirty="0"/>
+          </a:p>
+        </p:txBody>
+      </p:sp>
+      <p:sp>
+        <p:nvSpPr>
+          <p:cNvPr id="3" name="Content Placeholder 2"/>
+          <p:cNvSpPr>
+            <a:spLocks noGrp="1"/>
+          </p:cNvSpPr>
+          <p:nvPr>
+            <p:ph idx="1"/>
+          </p:nvPr>
+        </p:nvSpPr>
+        <p:spPr/>
+        <p:txBody>
+          <a:bodyPr>
+            <a:normAutofit fontScale="77500" lnSpcReduction="20000"/>
+          </a:bodyPr>
+          <a:lstStyle/>
+          <a:p>
+            <a:r>
+              <a:rPr lang="en-US" dirty="0" smtClean="0"/>
+              <a:t>GitHub established/Flat Field</a:t>
+            </a:r>
+          </a:p>
+          <a:p>
+            <a:r>
+              <a:rPr lang="en-US" dirty="0" smtClean="0"/>
+              <a:t>Slack Established</a:t>
+            </a:r>
+          </a:p>
+          <a:p>
+            <a:r>
+              <a:rPr lang="en-US" dirty="0" smtClean="0"/>
+              <a:t>Initial GANT chart (Friday </a:t>
+            </a:r>
+            <a:r>
+              <a:rPr lang="mr-IN" dirty="0" smtClean="0"/>
+              <a:t>–</a:t>
+            </a:r>
+            <a:r>
+              <a:rPr lang="en-US" dirty="0" smtClean="0"/>
+              <a:t> June 9)</a:t>
+            </a:r>
+          </a:p>
+          <a:p>
+            <a:r>
+              <a:rPr lang="en-US" dirty="0" smtClean="0"/>
+              <a:t>Capture </a:t>
+            </a:r>
+            <a:r>
+              <a:rPr lang="en-US" dirty="0" err="1" smtClean="0"/>
+              <a:t>json</a:t>
+            </a:r>
+            <a:r>
+              <a:rPr lang="en-US" dirty="0" smtClean="0"/>
+              <a:t> file (Wednesday </a:t>
+            </a:r>
+            <a:r>
+              <a:rPr lang="mr-IN" dirty="0" smtClean="0"/>
+              <a:t>–</a:t>
+            </a:r>
+            <a:r>
+              <a:rPr lang="en-US" dirty="0" smtClean="0"/>
+              <a:t> June 14)</a:t>
+            </a:r>
+          </a:p>
+          <a:p>
+            <a:r>
+              <a:rPr lang="en-US" dirty="0" smtClean="0"/>
+              <a:t>Capture crime data (find site </a:t>
+            </a:r>
+            <a:r>
+              <a:rPr lang="mr-IN" dirty="0" smtClean="0"/>
+              <a:t>–</a:t>
+            </a:r>
+            <a:r>
+              <a:rPr lang="en-US" dirty="0" smtClean="0"/>
+              <a:t> June 16)</a:t>
+            </a:r>
+          </a:p>
+          <a:p>
+            <a:r>
+              <a:rPr lang="en-US" dirty="0" smtClean="0"/>
+              <a:t>Capture API from </a:t>
+            </a:r>
+            <a:r>
+              <a:rPr lang="en-US" dirty="0"/>
+              <a:t>Z</a:t>
+            </a:r>
+            <a:r>
+              <a:rPr lang="en-US" dirty="0" smtClean="0"/>
+              <a:t>illow(find site </a:t>
+            </a:r>
+            <a:r>
+              <a:rPr lang="mr-IN" dirty="0" smtClean="0"/>
+              <a:t>–</a:t>
+            </a:r>
+            <a:r>
+              <a:rPr lang="en-US" dirty="0" smtClean="0"/>
+              <a:t> June 22)</a:t>
+            </a:r>
+          </a:p>
+          <a:p>
+            <a:r>
+              <a:rPr lang="en-US" dirty="0" smtClean="0"/>
+              <a:t>Clean data </a:t>
+            </a:r>
+            <a:r>
+              <a:rPr lang="mr-IN" dirty="0" smtClean="0"/>
+              <a:t>–</a:t>
+            </a:r>
+            <a:r>
+              <a:rPr lang="en-US" dirty="0" smtClean="0"/>
+              <a:t> June 26</a:t>
+            </a:r>
+          </a:p>
+          <a:p>
+            <a:r>
+              <a:rPr lang="en-US" dirty="0" smtClean="0"/>
+              <a:t>Analysis </a:t>
+            </a:r>
+            <a:r>
+              <a:rPr lang="mr-IN" dirty="0" smtClean="0"/>
+              <a:t>–</a:t>
+            </a:r>
+            <a:r>
+              <a:rPr lang="en-US" dirty="0" smtClean="0"/>
+              <a:t> July 1</a:t>
+            </a:r>
+          </a:p>
+          <a:p>
+            <a:r>
+              <a:rPr lang="en-US" dirty="0" smtClean="0"/>
+              <a:t>Paper Draft </a:t>
+            </a:r>
+            <a:r>
+              <a:rPr lang="mr-IN" dirty="0" smtClean="0"/>
+              <a:t>–</a:t>
+            </a:r>
+            <a:r>
+              <a:rPr lang="en-US" dirty="0" smtClean="0"/>
+              <a:t> July 5</a:t>
+            </a:r>
+            <a:r>
+              <a:rPr lang="en-US" baseline="30000" dirty="0" smtClean="0"/>
+              <a:t>th</a:t>
+            </a:r>
+            <a:endParaRPr lang="en-US" dirty="0" smtClean="0"/>
+          </a:p>
+          <a:p>
+            <a:r>
+              <a:rPr lang="en-US" dirty="0" smtClean="0"/>
+              <a:t>Second Café </a:t>
+            </a:r>
+            <a:r>
+              <a:rPr lang="mr-IN" dirty="0" smtClean="0"/>
+              <a:t>–</a:t>
+            </a:r>
+            <a:r>
+              <a:rPr lang="en-US" dirty="0" smtClean="0"/>
+              <a:t> July 11 </a:t>
+            </a:r>
+          </a:p>
+          <a:p>
+            <a:r>
+              <a:rPr lang="en-US" dirty="0" smtClean="0"/>
+              <a:t>Paper submitted </a:t>
+            </a:r>
+            <a:r>
+              <a:rPr lang="mr-IN" dirty="0" smtClean="0"/>
+              <a:t>–</a:t>
+            </a:r>
+            <a:r>
+              <a:rPr lang="en-US" dirty="0" smtClean="0"/>
+              <a:t> August 28-work through the break because we bleed data science!!!</a:t>
+            </a:r>
+          </a:p>
+          <a:p>
+            <a:endParaRPr lang="en-US" dirty="0" smtClean="0"/>
+          </a:p>
+          <a:p>
+            <a:endParaRPr lang="en-US" dirty="0" smtClean="0"/>
+          </a:p>
+          <a:p>
+            <a:endParaRPr lang="en-US" dirty="0"/>
+          </a:p>
+        </p:txBody>
+      </p:sp>
+    </p:spTree>
+    <p:extLst>
+      <p:ext uri="{BB962C8B-B14F-4D97-AF65-F5344CB8AC3E}">
+        <p14:creationId xmlns:p14="http://schemas.microsoft.com/office/powerpoint/2010/main" val="1756760640"/>
+      </p:ext>
+    </p:extLst>
+  </p:cSld>
+  <p:clrMapOvr>
+    <a:masterClrMapping/>
+  </p:clrMapOvr>
 </p:sld>
 </file>
 
